--- a/database/slides/LORD_HAVE_MERCY_(SWEDISH).pptx
+++ b/database/slides/LORD_HAVE_MERCY_(SWEDISH).pptx
@@ -772,8 +772,8 @@
               <a:defRPr/>
             </a:pPr>
             <a:r>
-              <a:rPr lang="en-US" dirty="0"/>
-              <a:t>RECEIPPT-TAGS:LHM</a:t>
+              <a:rPr lang="en-US"/>
+              <a:t>RECEIPPT-TAGS:LORD HAVE MERCY</a:t>
             </a:r>
           </a:p>
         </p:txBody>
